--- a/res/OpenCOR.pptx
+++ b/res/OpenCOR.pptx
@@ -7,14 +7,14 @@
   <p:sldIdLst>
     <p:sldId id="256" r:id="rId2"/>
   </p:sldIdLst>
-  <p:sldSz cx="9144000" cy="6858000" type="screen4x3"/>
+  <p:sldSz cx="12599988" cy="12599988"/>
   <p:notesSz cx="6858000" cy="9144000"/>
   <p:defaultTextStyle>
     <a:defPPr>
       <a:defRPr lang="en-US"/>
     </a:defPPr>
-    <a:lvl1pPr marL="0" algn="l" defTabSz="457200" rtl="0" eaLnBrk="1" latinLnBrk="0" hangingPunct="1">
-      <a:defRPr sz="1800" kern="1200">
+    <a:lvl1pPr marL="0" algn="l" defTabSz="719927" rtl="0" eaLnBrk="1" latinLnBrk="0" hangingPunct="1">
+      <a:defRPr sz="2900" kern="1200">
         <a:solidFill>
           <a:schemeClr val="tx1"/>
         </a:solidFill>
@@ -23,8 +23,8 @@
         <a:cs typeface="+mn-cs"/>
       </a:defRPr>
     </a:lvl1pPr>
-    <a:lvl2pPr marL="457200" algn="l" defTabSz="457200" rtl="0" eaLnBrk="1" latinLnBrk="0" hangingPunct="1">
-      <a:defRPr sz="1800" kern="1200">
+    <a:lvl2pPr marL="719927" algn="l" defTabSz="719927" rtl="0" eaLnBrk="1" latinLnBrk="0" hangingPunct="1">
+      <a:defRPr sz="2900" kern="1200">
         <a:solidFill>
           <a:schemeClr val="tx1"/>
         </a:solidFill>
@@ -33,8 +33,8 @@
         <a:cs typeface="+mn-cs"/>
       </a:defRPr>
     </a:lvl2pPr>
-    <a:lvl3pPr marL="914400" algn="l" defTabSz="457200" rtl="0" eaLnBrk="1" latinLnBrk="0" hangingPunct="1">
-      <a:defRPr sz="1800" kern="1200">
+    <a:lvl3pPr marL="1439852" algn="l" defTabSz="719927" rtl="0" eaLnBrk="1" latinLnBrk="0" hangingPunct="1">
+      <a:defRPr sz="2900" kern="1200">
         <a:solidFill>
           <a:schemeClr val="tx1"/>
         </a:solidFill>
@@ -43,8 +43,8 @@
         <a:cs typeface="+mn-cs"/>
       </a:defRPr>
     </a:lvl3pPr>
-    <a:lvl4pPr marL="1371600" algn="l" defTabSz="457200" rtl="0" eaLnBrk="1" latinLnBrk="0" hangingPunct="1">
-      <a:defRPr sz="1800" kern="1200">
+    <a:lvl4pPr marL="2159779" algn="l" defTabSz="719927" rtl="0" eaLnBrk="1" latinLnBrk="0" hangingPunct="1">
+      <a:defRPr sz="2900" kern="1200">
         <a:solidFill>
           <a:schemeClr val="tx1"/>
         </a:solidFill>
@@ -53,8 +53,8 @@
         <a:cs typeface="+mn-cs"/>
       </a:defRPr>
     </a:lvl4pPr>
-    <a:lvl5pPr marL="1828800" algn="l" defTabSz="457200" rtl="0" eaLnBrk="1" latinLnBrk="0" hangingPunct="1">
-      <a:defRPr sz="1800" kern="1200">
+    <a:lvl5pPr marL="2879705" algn="l" defTabSz="719927" rtl="0" eaLnBrk="1" latinLnBrk="0" hangingPunct="1">
+      <a:defRPr sz="2900" kern="1200">
         <a:solidFill>
           <a:schemeClr val="tx1"/>
         </a:solidFill>
@@ -63,8 +63,8 @@
         <a:cs typeface="+mn-cs"/>
       </a:defRPr>
     </a:lvl5pPr>
-    <a:lvl6pPr marL="2286000" algn="l" defTabSz="457200" rtl="0" eaLnBrk="1" latinLnBrk="0" hangingPunct="1">
-      <a:defRPr sz="1800" kern="1200">
+    <a:lvl6pPr marL="3599632" algn="l" defTabSz="719927" rtl="0" eaLnBrk="1" latinLnBrk="0" hangingPunct="1">
+      <a:defRPr sz="2900" kern="1200">
         <a:solidFill>
           <a:schemeClr val="tx1"/>
         </a:solidFill>
@@ -73,8 +73,8 @@
         <a:cs typeface="+mn-cs"/>
       </a:defRPr>
     </a:lvl6pPr>
-    <a:lvl7pPr marL="2743200" algn="l" defTabSz="457200" rtl="0" eaLnBrk="1" latinLnBrk="0" hangingPunct="1">
-      <a:defRPr sz="1800" kern="1200">
+    <a:lvl7pPr marL="4319557" algn="l" defTabSz="719927" rtl="0" eaLnBrk="1" latinLnBrk="0" hangingPunct="1">
+      <a:defRPr sz="2900" kern="1200">
         <a:solidFill>
           <a:schemeClr val="tx1"/>
         </a:solidFill>
@@ -83,8 +83,8 @@
         <a:cs typeface="+mn-cs"/>
       </a:defRPr>
     </a:lvl7pPr>
-    <a:lvl8pPr marL="3200400" algn="l" defTabSz="457200" rtl="0" eaLnBrk="1" latinLnBrk="0" hangingPunct="1">
-      <a:defRPr sz="1800" kern="1200">
+    <a:lvl8pPr marL="5039484" algn="l" defTabSz="719927" rtl="0" eaLnBrk="1" latinLnBrk="0" hangingPunct="1">
+      <a:defRPr sz="2900" kern="1200">
         <a:solidFill>
           <a:schemeClr val="tx1"/>
         </a:solidFill>
@@ -93,8 +93,8 @@
         <a:cs typeface="+mn-cs"/>
       </a:defRPr>
     </a:lvl8pPr>
-    <a:lvl9pPr marL="3657600" algn="l" defTabSz="457200" rtl="0" eaLnBrk="1" latinLnBrk="0" hangingPunct="1">
-      <a:defRPr sz="1800" kern="1200">
+    <a:lvl9pPr marL="5759411" algn="l" defTabSz="719927" rtl="0" eaLnBrk="1" latinLnBrk="0" hangingPunct="1">
+      <a:defRPr sz="2900" kern="1200">
         <a:solidFill>
           <a:schemeClr val="tx1"/>
         </a:solidFill>
@@ -136,8 +136,8 @@
         </p:nvSpPr>
         <p:spPr>
           <a:xfrm>
-            <a:off x="685800" y="2130425"/>
-            <a:ext cx="7772400" cy="1470025"/>
+            <a:off x="945000" y="3914163"/>
+            <a:ext cx="10709990" cy="2700831"/>
           </a:xfrm>
         </p:spPr>
         <p:txBody>
@@ -164,8 +164,8 @@
         </p:nvSpPr>
         <p:spPr>
           <a:xfrm>
-            <a:off x="1371600" y="3886200"/>
-            <a:ext cx="6400800" cy="1752600"/>
+            <a:off x="1890000" y="7139994"/>
+            <a:ext cx="8819992" cy="3219997"/>
           </a:xfrm>
         </p:spPr>
         <p:txBody>
@@ -181,7 +181,7 @@
                 </a:solidFill>
               </a:defRPr>
             </a:lvl1pPr>
-            <a:lvl2pPr marL="457200" indent="0" algn="ctr">
+            <a:lvl2pPr marL="719927" indent="0" algn="ctr">
               <a:buNone/>
               <a:defRPr>
                 <a:solidFill>
@@ -191,7 +191,7 @@
                 </a:solidFill>
               </a:defRPr>
             </a:lvl2pPr>
-            <a:lvl3pPr marL="914400" indent="0" algn="ctr">
+            <a:lvl3pPr marL="1439852" indent="0" algn="ctr">
               <a:buNone/>
               <a:defRPr>
                 <a:solidFill>
@@ -201,7 +201,7 @@
                 </a:solidFill>
               </a:defRPr>
             </a:lvl3pPr>
-            <a:lvl4pPr marL="1371600" indent="0" algn="ctr">
+            <a:lvl4pPr marL="2159779" indent="0" algn="ctr">
               <a:buNone/>
               <a:defRPr>
                 <a:solidFill>
@@ -211,7 +211,7 @@
                 </a:solidFill>
               </a:defRPr>
             </a:lvl4pPr>
-            <a:lvl5pPr marL="1828800" indent="0" algn="ctr">
+            <a:lvl5pPr marL="2879705" indent="0" algn="ctr">
               <a:buNone/>
               <a:defRPr>
                 <a:solidFill>
@@ -221,7 +221,7 @@
                 </a:solidFill>
               </a:defRPr>
             </a:lvl5pPr>
-            <a:lvl6pPr marL="2286000" indent="0" algn="ctr">
+            <a:lvl6pPr marL="3599632" indent="0" algn="ctr">
               <a:buNone/>
               <a:defRPr>
                 <a:solidFill>
@@ -231,7 +231,7 @@
                 </a:solidFill>
               </a:defRPr>
             </a:lvl6pPr>
-            <a:lvl7pPr marL="2743200" indent="0" algn="ctr">
+            <a:lvl7pPr marL="4319557" indent="0" algn="ctr">
               <a:buNone/>
               <a:defRPr>
                 <a:solidFill>
@@ -241,7 +241,7 @@
                 </a:solidFill>
               </a:defRPr>
             </a:lvl7pPr>
-            <a:lvl8pPr marL="3200400" indent="0" algn="ctr">
+            <a:lvl8pPr marL="5039484" indent="0" algn="ctr">
               <a:buNone/>
               <a:defRPr>
                 <a:solidFill>
@@ -251,7 +251,7 @@
                 </a:solidFill>
               </a:defRPr>
             </a:lvl8pPr>
-            <a:lvl9pPr marL="3657600" indent="0" algn="ctr">
+            <a:lvl9pPr marL="5759411" indent="0" algn="ctr">
               <a:buNone/>
               <a:defRPr>
                 <a:solidFill>
@@ -288,7 +288,7 @@
           <a:p>
             <a:fld id="{20A75D92-282C-7B4B-A562-1DB2DCDF25FA}" type="datetimeFigureOut">
               <a:rPr lang="en-US" smtClean="0"/>
-              <a:t>14/10/2014</a:t>
+              <a:t>15/10/2014</a:t>
             </a:fld>
             <a:endParaRPr lang="en-US"/>
           </a:p>
@@ -458,7 +458,7 @@
           <a:p>
             <a:fld id="{20A75D92-282C-7B4B-A562-1DB2DCDF25FA}" type="datetimeFigureOut">
               <a:rPr lang="en-US" smtClean="0"/>
-              <a:t>14/10/2014</a:t>
+              <a:t>15/10/2014</a:t>
             </a:fld>
             <a:endParaRPr lang="en-US"/>
           </a:p>
@@ -548,8 +548,8 @@
         </p:nvSpPr>
         <p:spPr>
           <a:xfrm>
-            <a:off x="6629400" y="274638"/>
-            <a:ext cx="2057400" cy="5851525"/>
+            <a:off x="9134992" y="504585"/>
+            <a:ext cx="2834997" cy="10750823"/>
           </a:xfrm>
         </p:spPr>
         <p:txBody>
@@ -576,8 +576,8 @@
         </p:nvSpPr>
         <p:spPr>
           <a:xfrm>
-            <a:off x="457200" y="274638"/>
-            <a:ext cx="6019800" cy="5851525"/>
+            <a:off x="630000" y="504585"/>
+            <a:ext cx="8294993" cy="10750823"/>
           </a:xfrm>
         </p:spPr>
         <p:txBody>
@@ -638,7 +638,7 @@
           <a:p>
             <a:fld id="{20A75D92-282C-7B4B-A562-1DB2DCDF25FA}" type="datetimeFigureOut">
               <a:rPr lang="en-US" smtClean="0"/>
-              <a:t>14/10/2014</a:t>
+              <a:t>15/10/2014</a:t>
             </a:fld>
             <a:endParaRPr lang="en-US"/>
           </a:p>
@@ -808,7 +808,7 @@
           <a:p>
             <a:fld id="{20A75D92-282C-7B4B-A562-1DB2DCDF25FA}" type="datetimeFigureOut">
               <a:rPr lang="en-US" smtClean="0"/>
-              <a:t>14/10/2014</a:t>
+              <a:t>15/10/2014</a:t>
             </a:fld>
             <a:endParaRPr lang="en-US"/>
           </a:p>
@@ -898,15 +898,15 @@
         </p:nvSpPr>
         <p:spPr>
           <a:xfrm>
-            <a:off x="722313" y="4406900"/>
-            <a:ext cx="7772400" cy="1362075"/>
+            <a:off x="995312" y="8096660"/>
+            <a:ext cx="10709990" cy="2502497"/>
           </a:xfrm>
         </p:spPr>
         <p:txBody>
           <a:bodyPr anchor="t"/>
           <a:lstStyle>
             <a:lvl1pPr algn="l">
-              <a:defRPr sz="4000" b="1" cap="all"/>
+              <a:defRPr sz="6300" b="1" cap="all"/>
             </a:lvl1pPr>
           </a:lstStyle>
           <a:p>
@@ -930,8 +930,8 @@
         </p:nvSpPr>
         <p:spPr>
           <a:xfrm>
-            <a:off x="722313" y="2906713"/>
-            <a:ext cx="7772400" cy="1500187"/>
+            <a:off x="995312" y="5340413"/>
+            <a:ext cx="10709990" cy="2756246"/>
           </a:xfrm>
         </p:spPr>
         <p:txBody>
@@ -939,7 +939,7 @@
           <a:lstStyle>
             <a:lvl1pPr marL="0" indent="0">
               <a:buNone/>
-              <a:defRPr sz="2000">
+              <a:defRPr sz="3200">
                 <a:solidFill>
                   <a:schemeClr val="tx1">
                     <a:tint val="75000"/>
@@ -947,9 +947,9 @@
                 </a:solidFill>
               </a:defRPr>
             </a:lvl1pPr>
-            <a:lvl2pPr marL="457200" indent="0">
-              <a:buNone/>
-              <a:defRPr sz="1800">
+            <a:lvl2pPr marL="719927" indent="0">
+              <a:buNone/>
+              <a:defRPr sz="2900">
                 <a:solidFill>
                   <a:schemeClr val="tx1">
                     <a:tint val="75000"/>
@@ -957,9 +957,9 @@
                 </a:solidFill>
               </a:defRPr>
             </a:lvl2pPr>
-            <a:lvl3pPr marL="914400" indent="0">
-              <a:buNone/>
-              <a:defRPr sz="1600">
+            <a:lvl3pPr marL="1439852" indent="0">
+              <a:buNone/>
+              <a:defRPr sz="2500">
                 <a:solidFill>
                   <a:schemeClr val="tx1">
                     <a:tint val="75000"/>
@@ -967,9 +967,9 @@
                 </a:solidFill>
               </a:defRPr>
             </a:lvl3pPr>
-            <a:lvl4pPr marL="1371600" indent="0">
-              <a:buNone/>
-              <a:defRPr sz="1400">
+            <a:lvl4pPr marL="2159779" indent="0">
+              <a:buNone/>
+              <a:defRPr sz="2200">
                 <a:solidFill>
                   <a:schemeClr val="tx1">
                     <a:tint val="75000"/>
@@ -977,9 +977,9 @@
                 </a:solidFill>
               </a:defRPr>
             </a:lvl4pPr>
-            <a:lvl5pPr marL="1828800" indent="0">
-              <a:buNone/>
-              <a:defRPr sz="1400">
+            <a:lvl5pPr marL="2879705" indent="0">
+              <a:buNone/>
+              <a:defRPr sz="2200">
                 <a:solidFill>
                   <a:schemeClr val="tx1">
                     <a:tint val="75000"/>
@@ -987,9 +987,9 @@
                 </a:solidFill>
               </a:defRPr>
             </a:lvl5pPr>
-            <a:lvl6pPr marL="2286000" indent="0">
-              <a:buNone/>
-              <a:defRPr sz="1400">
+            <a:lvl6pPr marL="3599632" indent="0">
+              <a:buNone/>
+              <a:defRPr sz="2200">
                 <a:solidFill>
                   <a:schemeClr val="tx1">
                     <a:tint val="75000"/>
@@ -997,9 +997,9 @@
                 </a:solidFill>
               </a:defRPr>
             </a:lvl6pPr>
-            <a:lvl7pPr marL="2743200" indent="0">
-              <a:buNone/>
-              <a:defRPr sz="1400">
+            <a:lvl7pPr marL="4319557" indent="0">
+              <a:buNone/>
+              <a:defRPr sz="2200">
                 <a:solidFill>
                   <a:schemeClr val="tx1">
                     <a:tint val="75000"/>
@@ -1007,9 +1007,9 @@
                 </a:solidFill>
               </a:defRPr>
             </a:lvl7pPr>
-            <a:lvl8pPr marL="3200400" indent="0">
-              <a:buNone/>
-              <a:defRPr sz="1400">
+            <a:lvl8pPr marL="5039484" indent="0">
+              <a:buNone/>
+              <a:defRPr sz="2200">
                 <a:solidFill>
                   <a:schemeClr val="tx1">
                     <a:tint val="75000"/>
@@ -1017,9 +1017,9 @@
                 </a:solidFill>
               </a:defRPr>
             </a:lvl8pPr>
-            <a:lvl9pPr marL="3657600" indent="0">
-              <a:buNone/>
-              <a:defRPr sz="1400">
+            <a:lvl9pPr marL="5759411" indent="0">
+              <a:buNone/>
+              <a:defRPr sz="2200">
                 <a:solidFill>
                   <a:schemeClr val="tx1">
                     <a:tint val="75000"/>
@@ -1054,7 +1054,7 @@
           <a:p>
             <a:fld id="{20A75D92-282C-7B4B-A562-1DB2DCDF25FA}" type="datetimeFigureOut">
               <a:rPr lang="en-US" smtClean="0"/>
-              <a:t>14/10/2014</a:t>
+              <a:t>15/10/2014</a:t>
             </a:fld>
             <a:endParaRPr lang="en-US"/>
           </a:p>
@@ -1167,39 +1167,39 @@
         </p:nvSpPr>
         <p:spPr>
           <a:xfrm>
-            <a:off x="457200" y="1600200"/>
-            <a:ext cx="4038600" cy="4525963"/>
+            <a:off x="630000" y="2939999"/>
+            <a:ext cx="5564995" cy="8315410"/>
           </a:xfrm>
         </p:spPr>
         <p:txBody>
           <a:bodyPr/>
           <a:lstStyle>
             <a:lvl1pPr>
-              <a:defRPr sz="2800"/>
+              <a:defRPr sz="4500"/>
             </a:lvl1pPr>
             <a:lvl2pPr>
-              <a:defRPr sz="2400"/>
+              <a:defRPr sz="3800"/>
             </a:lvl2pPr>
             <a:lvl3pPr>
-              <a:defRPr sz="2000"/>
+              <a:defRPr sz="3200"/>
             </a:lvl3pPr>
             <a:lvl4pPr>
-              <a:defRPr sz="1800"/>
+              <a:defRPr sz="2900"/>
             </a:lvl4pPr>
             <a:lvl5pPr>
-              <a:defRPr sz="1800"/>
+              <a:defRPr sz="2900"/>
             </a:lvl5pPr>
             <a:lvl6pPr>
-              <a:defRPr sz="1800"/>
+              <a:defRPr sz="2900"/>
             </a:lvl6pPr>
             <a:lvl7pPr>
-              <a:defRPr sz="1800"/>
+              <a:defRPr sz="2900"/>
             </a:lvl7pPr>
             <a:lvl8pPr>
-              <a:defRPr sz="1800"/>
+              <a:defRPr sz="2900"/>
             </a:lvl8pPr>
             <a:lvl9pPr>
-              <a:defRPr sz="1800"/>
+              <a:defRPr sz="2900"/>
             </a:lvl9pPr>
           </a:lstStyle>
           <a:p>
@@ -1252,39 +1252,39 @@
         </p:nvSpPr>
         <p:spPr>
           <a:xfrm>
-            <a:off x="4648200" y="1600200"/>
-            <a:ext cx="4038600" cy="4525963"/>
+            <a:off x="6404994" y="2939999"/>
+            <a:ext cx="5564995" cy="8315410"/>
           </a:xfrm>
         </p:spPr>
         <p:txBody>
           <a:bodyPr/>
           <a:lstStyle>
             <a:lvl1pPr>
-              <a:defRPr sz="2800"/>
+              <a:defRPr sz="4500"/>
             </a:lvl1pPr>
             <a:lvl2pPr>
-              <a:defRPr sz="2400"/>
+              <a:defRPr sz="3800"/>
             </a:lvl2pPr>
             <a:lvl3pPr>
-              <a:defRPr sz="2000"/>
+              <a:defRPr sz="3200"/>
             </a:lvl3pPr>
             <a:lvl4pPr>
-              <a:defRPr sz="1800"/>
+              <a:defRPr sz="2900"/>
             </a:lvl4pPr>
             <a:lvl5pPr>
-              <a:defRPr sz="1800"/>
+              <a:defRPr sz="2900"/>
             </a:lvl5pPr>
             <a:lvl6pPr>
-              <a:defRPr sz="1800"/>
+              <a:defRPr sz="2900"/>
             </a:lvl6pPr>
             <a:lvl7pPr>
-              <a:defRPr sz="1800"/>
+              <a:defRPr sz="2900"/>
             </a:lvl7pPr>
             <a:lvl8pPr>
-              <a:defRPr sz="1800"/>
+              <a:defRPr sz="2900"/>
             </a:lvl8pPr>
             <a:lvl9pPr>
-              <a:defRPr sz="1800"/>
+              <a:defRPr sz="2900"/>
             </a:lvl9pPr>
           </a:lstStyle>
           <a:p>
@@ -1342,7 +1342,7 @@
           <a:p>
             <a:fld id="{20A75D92-282C-7B4B-A562-1DB2DCDF25FA}" type="datetimeFigureOut">
               <a:rPr lang="en-US" smtClean="0"/>
-              <a:t>14/10/2014</a:t>
+              <a:t>15/10/2014</a:t>
             </a:fld>
             <a:endParaRPr lang="en-US"/>
           </a:p>
@@ -1459,8 +1459,8 @@
         </p:nvSpPr>
         <p:spPr>
           <a:xfrm>
-            <a:off x="457200" y="1535113"/>
-            <a:ext cx="4040188" cy="639762"/>
+            <a:off x="630000" y="2820416"/>
+            <a:ext cx="5567183" cy="1175414"/>
           </a:xfrm>
         </p:spPr>
         <p:txBody>
@@ -1468,39 +1468,39 @@
           <a:lstStyle>
             <a:lvl1pPr marL="0" indent="0">
               <a:buNone/>
-              <a:defRPr sz="2400" b="1"/>
+              <a:defRPr sz="3800" b="1"/>
             </a:lvl1pPr>
-            <a:lvl2pPr marL="457200" indent="0">
-              <a:buNone/>
-              <a:defRPr sz="2000" b="1"/>
+            <a:lvl2pPr marL="719927" indent="0">
+              <a:buNone/>
+              <a:defRPr sz="3200" b="1"/>
             </a:lvl2pPr>
-            <a:lvl3pPr marL="914400" indent="0">
-              <a:buNone/>
-              <a:defRPr sz="1800" b="1"/>
+            <a:lvl3pPr marL="1439852" indent="0">
+              <a:buNone/>
+              <a:defRPr sz="2900" b="1"/>
             </a:lvl3pPr>
-            <a:lvl4pPr marL="1371600" indent="0">
-              <a:buNone/>
-              <a:defRPr sz="1600" b="1"/>
+            <a:lvl4pPr marL="2159779" indent="0">
+              <a:buNone/>
+              <a:defRPr sz="2500" b="1"/>
             </a:lvl4pPr>
-            <a:lvl5pPr marL="1828800" indent="0">
-              <a:buNone/>
-              <a:defRPr sz="1600" b="1"/>
+            <a:lvl5pPr marL="2879705" indent="0">
+              <a:buNone/>
+              <a:defRPr sz="2500" b="1"/>
             </a:lvl5pPr>
-            <a:lvl6pPr marL="2286000" indent="0">
-              <a:buNone/>
-              <a:defRPr sz="1600" b="1"/>
+            <a:lvl6pPr marL="3599632" indent="0">
+              <a:buNone/>
+              <a:defRPr sz="2500" b="1"/>
             </a:lvl6pPr>
-            <a:lvl7pPr marL="2743200" indent="0">
-              <a:buNone/>
-              <a:defRPr sz="1600" b="1"/>
+            <a:lvl7pPr marL="4319557" indent="0">
+              <a:buNone/>
+              <a:defRPr sz="2500" b="1"/>
             </a:lvl7pPr>
-            <a:lvl8pPr marL="3200400" indent="0">
-              <a:buNone/>
-              <a:defRPr sz="1600" b="1"/>
+            <a:lvl8pPr marL="5039484" indent="0">
+              <a:buNone/>
+              <a:defRPr sz="2500" b="1"/>
             </a:lvl8pPr>
-            <a:lvl9pPr marL="3657600" indent="0">
-              <a:buNone/>
-              <a:defRPr sz="1600" b="1"/>
+            <a:lvl9pPr marL="5759411" indent="0">
+              <a:buNone/>
+              <a:defRPr sz="2500" b="1"/>
             </a:lvl9pPr>
           </a:lstStyle>
           <a:p>
@@ -1524,39 +1524,39 @@
         </p:nvSpPr>
         <p:spPr>
           <a:xfrm>
-            <a:off x="457200" y="2174875"/>
-            <a:ext cx="4040188" cy="3951288"/>
+            <a:off x="630000" y="3995830"/>
+            <a:ext cx="5567183" cy="7259577"/>
           </a:xfrm>
         </p:spPr>
         <p:txBody>
           <a:bodyPr/>
           <a:lstStyle>
             <a:lvl1pPr>
-              <a:defRPr sz="2400"/>
+              <a:defRPr sz="3800"/>
             </a:lvl1pPr>
             <a:lvl2pPr>
-              <a:defRPr sz="2000"/>
+              <a:defRPr sz="3200"/>
             </a:lvl2pPr>
             <a:lvl3pPr>
-              <a:defRPr sz="1800"/>
+              <a:defRPr sz="2900"/>
             </a:lvl3pPr>
             <a:lvl4pPr>
-              <a:defRPr sz="1600"/>
+              <a:defRPr sz="2500"/>
             </a:lvl4pPr>
             <a:lvl5pPr>
-              <a:defRPr sz="1600"/>
+              <a:defRPr sz="2500"/>
             </a:lvl5pPr>
             <a:lvl6pPr>
-              <a:defRPr sz="1600"/>
+              <a:defRPr sz="2500"/>
             </a:lvl6pPr>
             <a:lvl7pPr>
-              <a:defRPr sz="1600"/>
+              <a:defRPr sz="2500"/>
             </a:lvl7pPr>
             <a:lvl8pPr>
-              <a:defRPr sz="1600"/>
+              <a:defRPr sz="2500"/>
             </a:lvl8pPr>
             <a:lvl9pPr>
-              <a:defRPr sz="1600"/>
+              <a:defRPr sz="2500"/>
             </a:lvl9pPr>
           </a:lstStyle>
           <a:p>
@@ -1609,8 +1609,8 @@
         </p:nvSpPr>
         <p:spPr>
           <a:xfrm>
-            <a:off x="4645025" y="1535113"/>
-            <a:ext cx="4041775" cy="639762"/>
+            <a:off x="6400621" y="2820416"/>
+            <a:ext cx="5569369" cy="1175414"/>
           </a:xfrm>
         </p:spPr>
         <p:txBody>
@@ -1618,39 +1618,39 @@
           <a:lstStyle>
             <a:lvl1pPr marL="0" indent="0">
               <a:buNone/>
-              <a:defRPr sz="2400" b="1"/>
+              <a:defRPr sz="3800" b="1"/>
             </a:lvl1pPr>
-            <a:lvl2pPr marL="457200" indent="0">
-              <a:buNone/>
-              <a:defRPr sz="2000" b="1"/>
+            <a:lvl2pPr marL="719927" indent="0">
+              <a:buNone/>
+              <a:defRPr sz="3200" b="1"/>
             </a:lvl2pPr>
-            <a:lvl3pPr marL="914400" indent="0">
-              <a:buNone/>
-              <a:defRPr sz="1800" b="1"/>
+            <a:lvl3pPr marL="1439852" indent="0">
+              <a:buNone/>
+              <a:defRPr sz="2900" b="1"/>
             </a:lvl3pPr>
-            <a:lvl4pPr marL="1371600" indent="0">
-              <a:buNone/>
-              <a:defRPr sz="1600" b="1"/>
+            <a:lvl4pPr marL="2159779" indent="0">
+              <a:buNone/>
+              <a:defRPr sz="2500" b="1"/>
             </a:lvl4pPr>
-            <a:lvl5pPr marL="1828800" indent="0">
-              <a:buNone/>
-              <a:defRPr sz="1600" b="1"/>
+            <a:lvl5pPr marL="2879705" indent="0">
+              <a:buNone/>
+              <a:defRPr sz="2500" b="1"/>
             </a:lvl5pPr>
-            <a:lvl6pPr marL="2286000" indent="0">
-              <a:buNone/>
-              <a:defRPr sz="1600" b="1"/>
+            <a:lvl6pPr marL="3599632" indent="0">
+              <a:buNone/>
+              <a:defRPr sz="2500" b="1"/>
             </a:lvl6pPr>
-            <a:lvl7pPr marL="2743200" indent="0">
-              <a:buNone/>
-              <a:defRPr sz="1600" b="1"/>
+            <a:lvl7pPr marL="4319557" indent="0">
+              <a:buNone/>
+              <a:defRPr sz="2500" b="1"/>
             </a:lvl7pPr>
-            <a:lvl8pPr marL="3200400" indent="0">
-              <a:buNone/>
-              <a:defRPr sz="1600" b="1"/>
+            <a:lvl8pPr marL="5039484" indent="0">
+              <a:buNone/>
+              <a:defRPr sz="2500" b="1"/>
             </a:lvl8pPr>
-            <a:lvl9pPr marL="3657600" indent="0">
-              <a:buNone/>
-              <a:defRPr sz="1600" b="1"/>
+            <a:lvl9pPr marL="5759411" indent="0">
+              <a:buNone/>
+              <a:defRPr sz="2500" b="1"/>
             </a:lvl9pPr>
           </a:lstStyle>
           <a:p>
@@ -1674,39 +1674,39 @@
         </p:nvSpPr>
         <p:spPr>
           <a:xfrm>
-            <a:off x="4645025" y="2174875"/>
-            <a:ext cx="4041775" cy="3951288"/>
+            <a:off x="6400621" y="3995830"/>
+            <a:ext cx="5569369" cy="7259577"/>
           </a:xfrm>
         </p:spPr>
         <p:txBody>
           <a:bodyPr/>
           <a:lstStyle>
             <a:lvl1pPr>
-              <a:defRPr sz="2400"/>
+              <a:defRPr sz="3800"/>
             </a:lvl1pPr>
             <a:lvl2pPr>
-              <a:defRPr sz="2000"/>
+              <a:defRPr sz="3200"/>
             </a:lvl2pPr>
             <a:lvl3pPr>
-              <a:defRPr sz="1800"/>
+              <a:defRPr sz="2900"/>
             </a:lvl3pPr>
             <a:lvl4pPr>
-              <a:defRPr sz="1600"/>
+              <a:defRPr sz="2500"/>
             </a:lvl4pPr>
             <a:lvl5pPr>
-              <a:defRPr sz="1600"/>
+              <a:defRPr sz="2500"/>
             </a:lvl5pPr>
             <a:lvl6pPr>
-              <a:defRPr sz="1600"/>
+              <a:defRPr sz="2500"/>
             </a:lvl6pPr>
             <a:lvl7pPr>
-              <a:defRPr sz="1600"/>
+              <a:defRPr sz="2500"/>
             </a:lvl7pPr>
             <a:lvl8pPr>
-              <a:defRPr sz="1600"/>
+              <a:defRPr sz="2500"/>
             </a:lvl8pPr>
             <a:lvl9pPr>
-              <a:defRPr sz="1600"/>
+              <a:defRPr sz="2500"/>
             </a:lvl9pPr>
           </a:lstStyle>
           <a:p>
@@ -1764,7 +1764,7 @@
           <a:p>
             <a:fld id="{20A75D92-282C-7B4B-A562-1DB2DCDF25FA}" type="datetimeFigureOut">
               <a:rPr lang="en-US" smtClean="0"/>
-              <a:t>14/10/2014</a:t>
+              <a:t>15/10/2014</a:t>
             </a:fld>
             <a:endParaRPr lang="en-US"/>
           </a:p>
@@ -1882,7 +1882,7 @@
           <a:p>
             <a:fld id="{20A75D92-282C-7B4B-A562-1DB2DCDF25FA}" type="datetimeFigureOut">
               <a:rPr lang="en-US" smtClean="0"/>
-              <a:t>14/10/2014</a:t>
+              <a:t>15/10/2014</a:t>
             </a:fld>
             <a:endParaRPr lang="en-US"/>
           </a:p>
@@ -1977,7 +1977,7 @@
           <a:p>
             <a:fld id="{20A75D92-282C-7B4B-A562-1DB2DCDF25FA}" type="datetimeFigureOut">
               <a:rPr lang="en-US" smtClean="0"/>
-              <a:t>14/10/2014</a:t>
+              <a:t>15/10/2014</a:t>
             </a:fld>
             <a:endParaRPr lang="en-US"/>
           </a:p>
@@ -2067,15 +2067,15 @@
         </p:nvSpPr>
         <p:spPr>
           <a:xfrm>
-            <a:off x="457200" y="273050"/>
-            <a:ext cx="3008313" cy="1162050"/>
+            <a:off x="630001" y="501667"/>
+            <a:ext cx="4145309" cy="2134998"/>
           </a:xfrm>
         </p:spPr>
         <p:txBody>
           <a:bodyPr anchor="b"/>
           <a:lstStyle>
             <a:lvl1pPr algn="l">
-              <a:defRPr sz="2000" b="1"/>
+              <a:defRPr sz="3200" b="1"/>
             </a:lvl1pPr>
           </a:lstStyle>
           <a:p>
@@ -2099,39 +2099,39 @@
         </p:nvSpPr>
         <p:spPr>
           <a:xfrm>
-            <a:off x="3575050" y="273050"/>
-            <a:ext cx="5111750" cy="5853113"/>
+            <a:off x="4926245" y="501668"/>
+            <a:ext cx="7043744" cy="10753741"/>
           </a:xfrm>
         </p:spPr>
         <p:txBody>
           <a:bodyPr/>
           <a:lstStyle>
             <a:lvl1pPr>
-              <a:defRPr sz="3200"/>
+              <a:defRPr sz="5000"/>
             </a:lvl1pPr>
             <a:lvl2pPr>
-              <a:defRPr sz="2800"/>
+              <a:defRPr sz="4500"/>
             </a:lvl2pPr>
             <a:lvl3pPr>
-              <a:defRPr sz="2400"/>
+              <a:defRPr sz="3800"/>
             </a:lvl3pPr>
             <a:lvl4pPr>
-              <a:defRPr sz="2000"/>
+              <a:defRPr sz="3200"/>
             </a:lvl4pPr>
             <a:lvl5pPr>
-              <a:defRPr sz="2000"/>
+              <a:defRPr sz="3200"/>
             </a:lvl5pPr>
             <a:lvl6pPr>
-              <a:defRPr sz="2000"/>
+              <a:defRPr sz="3200"/>
             </a:lvl6pPr>
             <a:lvl7pPr>
-              <a:defRPr sz="2000"/>
+              <a:defRPr sz="3200"/>
             </a:lvl7pPr>
             <a:lvl8pPr>
-              <a:defRPr sz="2000"/>
+              <a:defRPr sz="3200"/>
             </a:lvl8pPr>
             <a:lvl9pPr>
-              <a:defRPr sz="2000"/>
+              <a:defRPr sz="3200"/>
             </a:lvl9pPr>
           </a:lstStyle>
           <a:p>
@@ -2184,8 +2184,8 @@
         </p:nvSpPr>
         <p:spPr>
           <a:xfrm>
-            <a:off x="457200" y="1435100"/>
-            <a:ext cx="3008313" cy="4691063"/>
+            <a:off x="630001" y="2636665"/>
+            <a:ext cx="4145309" cy="8618743"/>
           </a:xfrm>
         </p:spPr>
         <p:txBody>
@@ -2193,39 +2193,39 @@
           <a:lstStyle>
             <a:lvl1pPr marL="0" indent="0">
               <a:buNone/>
+              <a:defRPr sz="2200"/>
+            </a:lvl1pPr>
+            <a:lvl2pPr marL="719927" indent="0">
+              <a:buNone/>
+              <a:defRPr sz="1900"/>
+            </a:lvl2pPr>
+            <a:lvl3pPr marL="1439852" indent="0">
+              <a:buNone/>
+              <a:defRPr sz="1600"/>
+            </a:lvl3pPr>
+            <a:lvl4pPr marL="2159779" indent="0">
+              <a:buNone/>
               <a:defRPr sz="1400"/>
-            </a:lvl1pPr>
-            <a:lvl2pPr marL="457200" indent="0">
-              <a:buNone/>
-              <a:defRPr sz="1200"/>
-            </a:lvl2pPr>
-            <a:lvl3pPr marL="914400" indent="0">
-              <a:buNone/>
-              <a:defRPr sz="1000"/>
-            </a:lvl3pPr>
-            <a:lvl4pPr marL="1371600" indent="0">
-              <a:buNone/>
-              <a:defRPr sz="900"/>
             </a:lvl4pPr>
-            <a:lvl5pPr marL="1828800" indent="0">
-              <a:buNone/>
-              <a:defRPr sz="900"/>
+            <a:lvl5pPr marL="2879705" indent="0">
+              <a:buNone/>
+              <a:defRPr sz="1400"/>
             </a:lvl5pPr>
-            <a:lvl6pPr marL="2286000" indent="0">
-              <a:buNone/>
-              <a:defRPr sz="900"/>
+            <a:lvl6pPr marL="3599632" indent="0">
+              <a:buNone/>
+              <a:defRPr sz="1400"/>
             </a:lvl6pPr>
-            <a:lvl7pPr marL="2743200" indent="0">
-              <a:buNone/>
-              <a:defRPr sz="900"/>
+            <a:lvl7pPr marL="4319557" indent="0">
+              <a:buNone/>
+              <a:defRPr sz="1400"/>
             </a:lvl7pPr>
-            <a:lvl8pPr marL="3200400" indent="0">
-              <a:buNone/>
-              <a:defRPr sz="900"/>
+            <a:lvl8pPr marL="5039484" indent="0">
+              <a:buNone/>
+              <a:defRPr sz="1400"/>
             </a:lvl8pPr>
-            <a:lvl9pPr marL="3657600" indent="0">
-              <a:buNone/>
-              <a:defRPr sz="900"/>
+            <a:lvl9pPr marL="5759411" indent="0">
+              <a:buNone/>
+              <a:defRPr sz="1400"/>
             </a:lvl9pPr>
           </a:lstStyle>
           <a:p>
@@ -2254,7 +2254,7 @@
           <a:p>
             <a:fld id="{20A75D92-282C-7B4B-A562-1DB2DCDF25FA}" type="datetimeFigureOut">
               <a:rPr lang="en-US" smtClean="0"/>
-              <a:t>14/10/2014</a:t>
+              <a:t>15/10/2014</a:t>
             </a:fld>
             <a:endParaRPr lang="en-US"/>
           </a:p>
@@ -2344,15 +2344,15 @@
         </p:nvSpPr>
         <p:spPr>
           <a:xfrm>
-            <a:off x="1792288" y="4800600"/>
-            <a:ext cx="5486400" cy="566738"/>
+            <a:off x="2469687" y="8819992"/>
+            <a:ext cx="7559993" cy="1041249"/>
           </a:xfrm>
         </p:spPr>
         <p:txBody>
           <a:bodyPr anchor="b"/>
           <a:lstStyle>
             <a:lvl1pPr algn="l">
-              <a:defRPr sz="2000" b="1"/>
+              <a:defRPr sz="3200" b="1"/>
             </a:lvl1pPr>
           </a:lstStyle>
           <a:p>
@@ -2376,8 +2376,8 @@
         </p:nvSpPr>
         <p:spPr>
           <a:xfrm>
-            <a:off x="1792288" y="612775"/>
-            <a:ext cx="5486400" cy="4114800"/>
+            <a:off x="2469687" y="1125832"/>
+            <a:ext cx="7559993" cy="7559993"/>
           </a:xfrm>
         </p:spPr>
         <p:txBody>
@@ -2385,39 +2385,39 @@
           <a:lstStyle>
             <a:lvl1pPr marL="0" indent="0">
               <a:buNone/>
+              <a:defRPr sz="5000"/>
+            </a:lvl1pPr>
+            <a:lvl2pPr marL="719927" indent="0">
+              <a:buNone/>
+              <a:defRPr sz="4500"/>
+            </a:lvl2pPr>
+            <a:lvl3pPr marL="1439852" indent="0">
+              <a:buNone/>
+              <a:defRPr sz="3800"/>
+            </a:lvl3pPr>
+            <a:lvl4pPr marL="2159779" indent="0">
+              <a:buNone/>
               <a:defRPr sz="3200"/>
-            </a:lvl1pPr>
-            <a:lvl2pPr marL="457200" indent="0">
-              <a:buNone/>
-              <a:defRPr sz="2800"/>
-            </a:lvl2pPr>
-            <a:lvl3pPr marL="914400" indent="0">
-              <a:buNone/>
-              <a:defRPr sz="2400"/>
-            </a:lvl3pPr>
-            <a:lvl4pPr marL="1371600" indent="0">
-              <a:buNone/>
-              <a:defRPr sz="2000"/>
             </a:lvl4pPr>
-            <a:lvl5pPr marL="1828800" indent="0">
-              <a:buNone/>
-              <a:defRPr sz="2000"/>
+            <a:lvl5pPr marL="2879705" indent="0">
+              <a:buNone/>
+              <a:defRPr sz="3200"/>
             </a:lvl5pPr>
-            <a:lvl6pPr marL="2286000" indent="0">
-              <a:buNone/>
-              <a:defRPr sz="2000"/>
+            <a:lvl6pPr marL="3599632" indent="0">
+              <a:buNone/>
+              <a:defRPr sz="3200"/>
             </a:lvl6pPr>
-            <a:lvl7pPr marL="2743200" indent="0">
-              <a:buNone/>
-              <a:defRPr sz="2000"/>
+            <a:lvl7pPr marL="4319557" indent="0">
+              <a:buNone/>
+              <a:defRPr sz="3200"/>
             </a:lvl7pPr>
-            <a:lvl8pPr marL="3200400" indent="0">
-              <a:buNone/>
-              <a:defRPr sz="2000"/>
+            <a:lvl8pPr marL="5039484" indent="0">
+              <a:buNone/>
+              <a:defRPr sz="3200"/>
             </a:lvl8pPr>
-            <a:lvl9pPr marL="3657600" indent="0">
-              <a:buNone/>
-              <a:defRPr sz="2000"/>
+            <a:lvl9pPr marL="5759411" indent="0">
+              <a:buNone/>
+              <a:defRPr sz="3200"/>
             </a:lvl9pPr>
           </a:lstStyle>
           <a:p>
@@ -2437,8 +2437,8 @@
         </p:nvSpPr>
         <p:spPr>
           <a:xfrm>
-            <a:off x="1792288" y="5367338"/>
-            <a:ext cx="5486400" cy="804862"/>
+            <a:off x="2469687" y="9861243"/>
+            <a:ext cx="7559993" cy="1478747"/>
           </a:xfrm>
         </p:spPr>
         <p:txBody>
@@ -2446,39 +2446,39 @@
           <a:lstStyle>
             <a:lvl1pPr marL="0" indent="0">
               <a:buNone/>
+              <a:defRPr sz="2200"/>
+            </a:lvl1pPr>
+            <a:lvl2pPr marL="719927" indent="0">
+              <a:buNone/>
+              <a:defRPr sz="1900"/>
+            </a:lvl2pPr>
+            <a:lvl3pPr marL="1439852" indent="0">
+              <a:buNone/>
+              <a:defRPr sz="1600"/>
+            </a:lvl3pPr>
+            <a:lvl4pPr marL="2159779" indent="0">
+              <a:buNone/>
               <a:defRPr sz="1400"/>
-            </a:lvl1pPr>
-            <a:lvl2pPr marL="457200" indent="0">
-              <a:buNone/>
-              <a:defRPr sz="1200"/>
-            </a:lvl2pPr>
-            <a:lvl3pPr marL="914400" indent="0">
-              <a:buNone/>
-              <a:defRPr sz="1000"/>
-            </a:lvl3pPr>
-            <a:lvl4pPr marL="1371600" indent="0">
-              <a:buNone/>
-              <a:defRPr sz="900"/>
             </a:lvl4pPr>
-            <a:lvl5pPr marL="1828800" indent="0">
-              <a:buNone/>
-              <a:defRPr sz="900"/>
+            <a:lvl5pPr marL="2879705" indent="0">
+              <a:buNone/>
+              <a:defRPr sz="1400"/>
             </a:lvl5pPr>
-            <a:lvl6pPr marL="2286000" indent="0">
-              <a:buNone/>
-              <a:defRPr sz="900"/>
+            <a:lvl6pPr marL="3599632" indent="0">
+              <a:buNone/>
+              <a:defRPr sz="1400"/>
             </a:lvl6pPr>
-            <a:lvl7pPr marL="2743200" indent="0">
-              <a:buNone/>
-              <a:defRPr sz="900"/>
+            <a:lvl7pPr marL="4319557" indent="0">
+              <a:buNone/>
+              <a:defRPr sz="1400"/>
             </a:lvl7pPr>
-            <a:lvl8pPr marL="3200400" indent="0">
-              <a:buNone/>
-              <a:defRPr sz="900"/>
+            <a:lvl8pPr marL="5039484" indent="0">
+              <a:buNone/>
+              <a:defRPr sz="1400"/>
             </a:lvl8pPr>
-            <a:lvl9pPr marL="3657600" indent="0">
-              <a:buNone/>
-              <a:defRPr sz="900"/>
+            <a:lvl9pPr marL="5759411" indent="0">
+              <a:buNone/>
+              <a:defRPr sz="1400"/>
             </a:lvl9pPr>
           </a:lstStyle>
           <a:p>
@@ -2507,7 +2507,7 @@
           <a:p>
             <a:fld id="{20A75D92-282C-7B4B-A562-1DB2DCDF25FA}" type="datetimeFigureOut">
               <a:rPr lang="en-US" smtClean="0"/>
-              <a:t>14/10/2014</a:t>
+              <a:t>15/10/2014</a:t>
             </a:fld>
             <a:endParaRPr lang="en-US"/>
           </a:p>
@@ -2602,15 +2602,15 @@
         </p:nvSpPr>
         <p:spPr>
           <a:xfrm>
-            <a:off x="457200" y="274638"/>
-            <a:ext cx="8229600" cy="1143000"/>
+            <a:off x="630000" y="504583"/>
+            <a:ext cx="11339989" cy="2099999"/>
           </a:xfrm>
           <a:prstGeom prst="rect">
             <a:avLst/>
           </a:prstGeom>
         </p:spPr>
         <p:txBody>
-          <a:bodyPr vert="horz" lIns="91440" tIns="45720" rIns="91440" bIns="45720" rtlCol="0" anchor="ctr">
+          <a:bodyPr vert="horz" lIns="143986" tIns="71993" rIns="143986" bIns="71993" rtlCol="0" anchor="ctr">
             <a:normAutofit/>
           </a:bodyPr>
           <a:lstStyle/>
@@ -2635,15 +2635,15 @@
         </p:nvSpPr>
         <p:spPr>
           <a:xfrm>
-            <a:off x="457200" y="1600200"/>
-            <a:ext cx="8229600" cy="4525963"/>
+            <a:off x="630000" y="2939999"/>
+            <a:ext cx="11339989" cy="8315410"/>
           </a:xfrm>
           <a:prstGeom prst="rect">
             <a:avLst/>
           </a:prstGeom>
         </p:spPr>
         <p:txBody>
-          <a:bodyPr vert="horz" lIns="91440" tIns="45720" rIns="91440" bIns="45720" rtlCol="0">
+          <a:bodyPr vert="horz" lIns="143986" tIns="71993" rIns="143986" bIns="71993" rtlCol="0">
             <a:normAutofit/>
           </a:bodyPr>
           <a:lstStyle/>
@@ -2697,18 +2697,18 @@
         </p:nvSpPr>
         <p:spPr>
           <a:xfrm>
-            <a:off x="457200" y="6356350"/>
-            <a:ext cx="2133600" cy="365125"/>
+            <a:off x="630000" y="11678323"/>
+            <a:ext cx="2939998" cy="670832"/>
           </a:xfrm>
           <a:prstGeom prst="rect">
             <a:avLst/>
           </a:prstGeom>
         </p:spPr>
         <p:txBody>
-          <a:bodyPr vert="horz" lIns="91440" tIns="45720" rIns="91440" bIns="45720" rtlCol="0" anchor="ctr"/>
+          <a:bodyPr vert="horz" lIns="143986" tIns="71993" rIns="143986" bIns="71993" rtlCol="0" anchor="ctr"/>
           <a:lstStyle>
             <a:lvl1pPr algn="l">
-              <a:defRPr sz="1200">
+              <a:defRPr sz="1900">
                 <a:solidFill>
                   <a:schemeClr val="tx1">
                     <a:tint val="75000"/>
@@ -2720,7 +2720,7 @@
           <a:p>
             <a:fld id="{20A75D92-282C-7B4B-A562-1DB2DCDF25FA}" type="datetimeFigureOut">
               <a:rPr lang="en-US" smtClean="0"/>
-              <a:t>14/10/2014</a:t>
+              <a:t>15/10/2014</a:t>
             </a:fld>
             <a:endParaRPr lang="en-US"/>
           </a:p>
@@ -2738,18 +2738,18 @@
         </p:nvSpPr>
         <p:spPr>
           <a:xfrm>
-            <a:off x="3124200" y="6356350"/>
-            <a:ext cx="2895600" cy="365125"/>
+            <a:off x="4304997" y="11678323"/>
+            <a:ext cx="3989996" cy="670832"/>
           </a:xfrm>
           <a:prstGeom prst="rect">
             <a:avLst/>
           </a:prstGeom>
         </p:spPr>
         <p:txBody>
-          <a:bodyPr vert="horz" lIns="91440" tIns="45720" rIns="91440" bIns="45720" rtlCol="0" anchor="ctr"/>
+          <a:bodyPr vert="horz" lIns="143986" tIns="71993" rIns="143986" bIns="71993" rtlCol="0" anchor="ctr"/>
           <a:lstStyle>
             <a:lvl1pPr algn="ctr">
-              <a:defRPr sz="1200">
+              <a:defRPr sz="1900">
                 <a:solidFill>
                   <a:schemeClr val="tx1">
                     <a:tint val="75000"/>
@@ -2775,18 +2775,18 @@
         </p:nvSpPr>
         <p:spPr>
           <a:xfrm>
-            <a:off x="6553200" y="6356350"/>
-            <a:ext cx="2133600" cy="365125"/>
+            <a:off x="9029990" y="11678323"/>
+            <a:ext cx="2939998" cy="670832"/>
           </a:xfrm>
           <a:prstGeom prst="rect">
             <a:avLst/>
           </a:prstGeom>
         </p:spPr>
         <p:txBody>
-          <a:bodyPr vert="horz" lIns="91440" tIns="45720" rIns="91440" bIns="45720" rtlCol="0" anchor="ctr"/>
+          <a:bodyPr vert="horz" lIns="143986" tIns="71993" rIns="143986" bIns="71993" rtlCol="0" anchor="ctr"/>
           <a:lstStyle>
             <a:lvl1pPr algn="r">
-              <a:defRPr sz="1200">
+              <a:defRPr sz="1900">
                 <a:solidFill>
                   <a:schemeClr val="tx1">
                     <a:tint val="75000"/>
@@ -2827,12 +2827,12 @@
   </p:sldLayoutIdLst>
   <p:txStyles>
     <p:titleStyle>
-      <a:lvl1pPr algn="ctr" defTabSz="457200" rtl="0" eaLnBrk="1" latinLnBrk="0" hangingPunct="1">
+      <a:lvl1pPr algn="ctr" defTabSz="719927" rtl="0" eaLnBrk="1" latinLnBrk="0" hangingPunct="1">
         <a:spcBef>
           <a:spcPct val="0"/>
         </a:spcBef>
         <a:buNone/>
-        <a:defRPr sz="4400" kern="1200">
+        <a:defRPr sz="6900" kern="1200">
           <a:solidFill>
             <a:schemeClr val="tx1"/>
           </a:solidFill>
@@ -2843,7 +2843,82 @@
       </a:lvl1pPr>
     </p:titleStyle>
     <p:bodyStyle>
-      <a:lvl1pPr marL="342900" indent="-342900" algn="l" defTabSz="457200" rtl="0" eaLnBrk="1" latinLnBrk="0" hangingPunct="1">
+      <a:lvl1pPr marL="539944" indent="-539944" algn="l" defTabSz="719927" rtl="0" eaLnBrk="1" latinLnBrk="0" hangingPunct="1">
+        <a:spcBef>
+          <a:spcPct val="20000"/>
+        </a:spcBef>
+        <a:buFont typeface="Arial"/>
+        <a:buChar char="•"/>
+        <a:defRPr sz="5000" kern="1200">
+          <a:solidFill>
+            <a:schemeClr val="tx1"/>
+          </a:solidFill>
+          <a:latin typeface="+mn-lt"/>
+          <a:ea typeface="+mn-ea"/>
+          <a:cs typeface="+mn-cs"/>
+        </a:defRPr>
+      </a:lvl1pPr>
+      <a:lvl2pPr marL="1169880" indent="-449954" algn="l" defTabSz="719927" rtl="0" eaLnBrk="1" latinLnBrk="0" hangingPunct="1">
+        <a:spcBef>
+          <a:spcPct val="20000"/>
+        </a:spcBef>
+        <a:buFont typeface="Arial"/>
+        <a:buChar char="–"/>
+        <a:defRPr sz="4500" kern="1200">
+          <a:solidFill>
+            <a:schemeClr val="tx1"/>
+          </a:solidFill>
+          <a:latin typeface="+mn-lt"/>
+          <a:ea typeface="+mn-ea"/>
+          <a:cs typeface="+mn-cs"/>
+        </a:defRPr>
+      </a:lvl2pPr>
+      <a:lvl3pPr marL="1799816" indent="-359963" algn="l" defTabSz="719927" rtl="0" eaLnBrk="1" latinLnBrk="0" hangingPunct="1">
+        <a:spcBef>
+          <a:spcPct val="20000"/>
+        </a:spcBef>
+        <a:buFont typeface="Arial"/>
+        <a:buChar char="•"/>
+        <a:defRPr sz="3800" kern="1200">
+          <a:solidFill>
+            <a:schemeClr val="tx1"/>
+          </a:solidFill>
+          <a:latin typeface="+mn-lt"/>
+          <a:ea typeface="+mn-ea"/>
+          <a:cs typeface="+mn-cs"/>
+        </a:defRPr>
+      </a:lvl3pPr>
+      <a:lvl4pPr marL="2519742" indent="-359963" algn="l" defTabSz="719927" rtl="0" eaLnBrk="1" latinLnBrk="0" hangingPunct="1">
+        <a:spcBef>
+          <a:spcPct val="20000"/>
+        </a:spcBef>
+        <a:buFont typeface="Arial"/>
+        <a:buChar char="–"/>
+        <a:defRPr sz="3200" kern="1200">
+          <a:solidFill>
+            <a:schemeClr val="tx1"/>
+          </a:solidFill>
+          <a:latin typeface="+mn-lt"/>
+          <a:ea typeface="+mn-ea"/>
+          <a:cs typeface="+mn-cs"/>
+        </a:defRPr>
+      </a:lvl4pPr>
+      <a:lvl5pPr marL="3239668" indent="-359963" algn="l" defTabSz="719927" rtl="0" eaLnBrk="1" latinLnBrk="0" hangingPunct="1">
+        <a:spcBef>
+          <a:spcPct val="20000"/>
+        </a:spcBef>
+        <a:buFont typeface="Arial"/>
+        <a:buChar char="»"/>
+        <a:defRPr sz="3200" kern="1200">
+          <a:solidFill>
+            <a:schemeClr val="tx1"/>
+          </a:solidFill>
+          <a:latin typeface="+mn-lt"/>
+          <a:ea typeface="+mn-ea"/>
+          <a:cs typeface="+mn-cs"/>
+        </a:defRPr>
+      </a:lvl5pPr>
+      <a:lvl6pPr marL="3959594" indent="-359963" algn="l" defTabSz="719927" rtl="0" eaLnBrk="1" latinLnBrk="0" hangingPunct="1">
         <a:spcBef>
           <a:spcPct val="20000"/>
         </a:spcBef>
@@ -2857,89 +2932,14 @@
           <a:ea typeface="+mn-ea"/>
           <a:cs typeface="+mn-cs"/>
         </a:defRPr>
-      </a:lvl1pPr>
-      <a:lvl2pPr marL="742950" indent="-285750" algn="l" defTabSz="457200" rtl="0" eaLnBrk="1" latinLnBrk="0" hangingPunct="1">
-        <a:spcBef>
-          <a:spcPct val="20000"/>
-        </a:spcBef>
-        <a:buFont typeface="Arial"/>
-        <a:buChar char="–"/>
-        <a:defRPr sz="2800" kern="1200">
-          <a:solidFill>
-            <a:schemeClr val="tx1"/>
-          </a:solidFill>
-          <a:latin typeface="+mn-lt"/>
-          <a:ea typeface="+mn-ea"/>
-          <a:cs typeface="+mn-cs"/>
-        </a:defRPr>
-      </a:lvl2pPr>
-      <a:lvl3pPr marL="1143000" indent="-228600" algn="l" defTabSz="457200" rtl="0" eaLnBrk="1" latinLnBrk="0" hangingPunct="1">
+      </a:lvl6pPr>
+      <a:lvl7pPr marL="4679521" indent="-359963" algn="l" defTabSz="719927" rtl="0" eaLnBrk="1" latinLnBrk="0" hangingPunct="1">
         <a:spcBef>
           <a:spcPct val="20000"/>
         </a:spcBef>
         <a:buFont typeface="Arial"/>
         <a:buChar char="•"/>
-        <a:defRPr sz="2400" kern="1200">
-          <a:solidFill>
-            <a:schemeClr val="tx1"/>
-          </a:solidFill>
-          <a:latin typeface="+mn-lt"/>
-          <a:ea typeface="+mn-ea"/>
-          <a:cs typeface="+mn-cs"/>
-        </a:defRPr>
-      </a:lvl3pPr>
-      <a:lvl4pPr marL="1600200" indent="-228600" algn="l" defTabSz="457200" rtl="0" eaLnBrk="1" latinLnBrk="0" hangingPunct="1">
-        <a:spcBef>
-          <a:spcPct val="20000"/>
-        </a:spcBef>
-        <a:buFont typeface="Arial"/>
-        <a:buChar char="–"/>
-        <a:defRPr sz="2000" kern="1200">
-          <a:solidFill>
-            <a:schemeClr val="tx1"/>
-          </a:solidFill>
-          <a:latin typeface="+mn-lt"/>
-          <a:ea typeface="+mn-ea"/>
-          <a:cs typeface="+mn-cs"/>
-        </a:defRPr>
-      </a:lvl4pPr>
-      <a:lvl5pPr marL="2057400" indent="-228600" algn="l" defTabSz="457200" rtl="0" eaLnBrk="1" latinLnBrk="0" hangingPunct="1">
-        <a:spcBef>
-          <a:spcPct val="20000"/>
-        </a:spcBef>
-        <a:buFont typeface="Arial"/>
-        <a:buChar char="»"/>
-        <a:defRPr sz="2000" kern="1200">
-          <a:solidFill>
-            <a:schemeClr val="tx1"/>
-          </a:solidFill>
-          <a:latin typeface="+mn-lt"/>
-          <a:ea typeface="+mn-ea"/>
-          <a:cs typeface="+mn-cs"/>
-        </a:defRPr>
-      </a:lvl5pPr>
-      <a:lvl6pPr marL="2514600" indent="-228600" algn="l" defTabSz="457200" rtl="0" eaLnBrk="1" latinLnBrk="0" hangingPunct="1">
-        <a:spcBef>
-          <a:spcPct val="20000"/>
-        </a:spcBef>
-        <a:buFont typeface="Arial"/>
-        <a:buChar char="•"/>
-        <a:defRPr sz="2000" kern="1200">
-          <a:solidFill>
-            <a:schemeClr val="tx1"/>
-          </a:solidFill>
-          <a:latin typeface="+mn-lt"/>
-          <a:ea typeface="+mn-ea"/>
-          <a:cs typeface="+mn-cs"/>
-        </a:defRPr>
-      </a:lvl6pPr>
-      <a:lvl7pPr marL="2971800" indent="-228600" algn="l" defTabSz="457200" rtl="0" eaLnBrk="1" latinLnBrk="0" hangingPunct="1">
-        <a:spcBef>
-          <a:spcPct val="20000"/>
-        </a:spcBef>
-        <a:buFont typeface="Arial"/>
-        <a:buChar char="•"/>
-        <a:defRPr sz="2000" kern="1200">
+        <a:defRPr sz="3200" kern="1200">
           <a:solidFill>
             <a:schemeClr val="tx1"/>
           </a:solidFill>
@@ -2948,13 +2948,13 @@
           <a:cs typeface="+mn-cs"/>
         </a:defRPr>
       </a:lvl7pPr>
-      <a:lvl8pPr marL="3429000" indent="-228600" algn="l" defTabSz="457200" rtl="0" eaLnBrk="1" latinLnBrk="0" hangingPunct="1">
+      <a:lvl8pPr marL="5399448" indent="-359963" algn="l" defTabSz="719927" rtl="0" eaLnBrk="1" latinLnBrk="0" hangingPunct="1">
         <a:spcBef>
           <a:spcPct val="20000"/>
         </a:spcBef>
         <a:buFont typeface="Arial"/>
         <a:buChar char="•"/>
-        <a:defRPr sz="2000" kern="1200">
+        <a:defRPr sz="3200" kern="1200">
           <a:solidFill>
             <a:schemeClr val="tx1"/>
           </a:solidFill>
@@ -2963,13 +2963,13 @@
           <a:cs typeface="+mn-cs"/>
         </a:defRPr>
       </a:lvl8pPr>
-      <a:lvl9pPr marL="3886200" indent="-228600" algn="l" defTabSz="457200" rtl="0" eaLnBrk="1" latinLnBrk="0" hangingPunct="1">
+      <a:lvl9pPr marL="6119373" indent="-359963" algn="l" defTabSz="719927" rtl="0" eaLnBrk="1" latinLnBrk="0" hangingPunct="1">
         <a:spcBef>
           <a:spcPct val="20000"/>
         </a:spcBef>
         <a:buFont typeface="Arial"/>
         <a:buChar char="•"/>
-        <a:defRPr sz="2000" kern="1200">
+        <a:defRPr sz="3200" kern="1200">
           <a:solidFill>
             <a:schemeClr val="tx1"/>
           </a:solidFill>
@@ -2983,8 +2983,8 @@
       <a:defPPr>
         <a:defRPr lang="en-US"/>
       </a:defPPr>
-      <a:lvl1pPr marL="0" algn="l" defTabSz="457200" rtl="0" eaLnBrk="1" latinLnBrk="0" hangingPunct="1">
-        <a:defRPr sz="1800" kern="1200">
+      <a:lvl1pPr marL="0" algn="l" defTabSz="719927" rtl="0" eaLnBrk="1" latinLnBrk="0" hangingPunct="1">
+        <a:defRPr sz="2900" kern="1200">
           <a:solidFill>
             <a:schemeClr val="tx1"/>
           </a:solidFill>
@@ -2993,8 +2993,8 @@
           <a:cs typeface="+mn-cs"/>
         </a:defRPr>
       </a:lvl1pPr>
-      <a:lvl2pPr marL="457200" algn="l" defTabSz="457200" rtl="0" eaLnBrk="1" latinLnBrk="0" hangingPunct="1">
-        <a:defRPr sz="1800" kern="1200">
+      <a:lvl2pPr marL="719927" algn="l" defTabSz="719927" rtl="0" eaLnBrk="1" latinLnBrk="0" hangingPunct="1">
+        <a:defRPr sz="2900" kern="1200">
           <a:solidFill>
             <a:schemeClr val="tx1"/>
           </a:solidFill>
@@ -3003,8 +3003,8 @@
           <a:cs typeface="+mn-cs"/>
         </a:defRPr>
       </a:lvl2pPr>
-      <a:lvl3pPr marL="914400" algn="l" defTabSz="457200" rtl="0" eaLnBrk="1" latinLnBrk="0" hangingPunct="1">
-        <a:defRPr sz="1800" kern="1200">
+      <a:lvl3pPr marL="1439852" algn="l" defTabSz="719927" rtl="0" eaLnBrk="1" latinLnBrk="0" hangingPunct="1">
+        <a:defRPr sz="2900" kern="1200">
           <a:solidFill>
             <a:schemeClr val="tx1"/>
           </a:solidFill>
@@ -3013,8 +3013,8 @@
           <a:cs typeface="+mn-cs"/>
         </a:defRPr>
       </a:lvl3pPr>
-      <a:lvl4pPr marL="1371600" algn="l" defTabSz="457200" rtl="0" eaLnBrk="1" latinLnBrk="0" hangingPunct="1">
-        <a:defRPr sz="1800" kern="1200">
+      <a:lvl4pPr marL="2159779" algn="l" defTabSz="719927" rtl="0" eaLnBrk="1" latinLnBrk="0" hangingPunct="1">
+        <a:defRPr sz="2900" kern="1200">
           <a:solidFill>
             <a:schemeClr val="tx1"/>
           </a:solidFill>
@@ -3023,8 +3023,8 @@
           <a:cs typeface="+mn-cs"/>
         </a:defRPr>
       </a:lvl4pPr>
-      <a:lvl5pPr marL="1828800" algn="l" defTabSz="457200" rtl="0" eaLnBrk="1" latinLnBrk="0" hangingPunct="1">
-        <a:defRPr sz="1800" kern="1200">
+      <a:lvl5pPr marL="2879705" algn="l" defTabSz="719927" rtl="0" eaLnBrk="1" latinLnBrk="0" hangingPunct="1">
+        <a:defRPr sz="2900" kern="1200">
           <a:solidFill>
             <a:schemeClr val="tx1"/>
           </a:solidFill>
@@ -3033,8 +3033,8 @@
           <a:cs typeface="+mn-cs"/>
         </a:defRPr>
       </a:lvl5pPr>
-      <a:lvl6pPr marL="2286000" algn="l" defTabSz="457200" rtl="0" eaLnBrk="1" latinLnBrk="0" hangingPunct="1">
-        <a:defRPr sz="1800" kern="1200">
+      <a:lvl6pPr marL="3599632" algn="l" defTabSz="719927" rtl="0" eaLnBrk="1" latinLnBrk="0" hangingPunct="1">
+        <a:defRPr sz="2900" kern="1200">
           <a:solidFill>
             <a:schemeClr val="tx1"/>
           </a:solidFill>
@@ -3043,8 +3043,8 @@
           <a:cs typeface="+mn-cs"/>
         </a:defRPr>
       </a:lvl6pPr>
-      <a:lvl7pPr marL="2743200" algn="l" defTabSz="457200" rtl="0" eaLnBrk="1" latinLnBrk="0" hangingPunct="1">
-        <a:defRPr sz="1800" kern="1200">
+      <a:lvl7pPr marL="4319557" algn="l" defTabSz="719927" rtl="0" eaLnBrk="1" latinLnBrk="0" hangingPunct="1">
+        <a:defRPr sz="2900" kern="1200">
           <a:solidFill>
             <a:schemeClr val="tx1"/>
           </a:solidFill>
@@ -3053,8 +3053,8 @@
           <a:cs typeface="+mn-cs"/>
         </a:defRPr>
       </a:lvl7pPr>
-      <a:lvl8pPr marL="3200400" algn="l" defTabSz="457200" rtl="0" eaLnBrk="1" latinLnBrk="0" hangingPunct="1">
-        <a:defRPr sz="1800" kern="1200">
+      <a:lvl8pPr marL="5039484" algn="l" defTabSz="719927" rtl="0" eaLnBrk="1" latinLnBrk="0" hangingPunct="1">
+        <a:defRPr sz="2900" kern="1200">
           <a:solidFill>
             <a:schemeClr val="tx1"/>
           </a:solidFill>
@@ -3063,8 +3063,8 @@
           <a:cs typeface="+mn-cs"/>
         </a:defRPr>
       </a:lvl8pPr>
-      <a:lvl9pPr marL="3657600" algn="l" defTabSz="457200" rtl="0" eaLnBrk="1" latinLnBrk="0" hangingPunct="1">
-        <a:defRPr sz="1800" kern="1200">
+      <a:lvl9pPr marL="5759411" algn="l" defTabSz="719927" rtl="0" eaLnBrk="1" latinLnBrk="0" hangingPunct="1">
+        <a:defRPr sz="2900" kern="1200">
           <a:solidFill>
             <a:schemeClr val="tx1"/>
           </a:solidFill>
@@ -3097,7 +3097,7 @@
       </p:grpSpPr>
       <p:pic>
         <p:nvPicPr>
-          <p:cNvPr id="7" name="Picture 6"/>
+          <p:cNvPr id="2" name="Picture 1"/>
           <p:cNvPicPr>
             <a:picLocks noChangeAspect="1"/>
           </p:cNvPicPr>
@@ -3117,8 +3117,8 @@
         </p:blipFill>
         <p:spPr>
           <a:xfrm>
-            <a:off x="1170216" y="384114"/>
-            <a:ext cx="6907270" cy="5990771"/>
+            <a:off x="522326" y="439218"/>
+            <a:ext cx="11772900" cy="11772900"/>
           </a:xfrm>
           <a:prstGeom prst="roundRect">
             <a:avLst>
@@ -3136,7 +3136,7 @@
             <a:lightRig rig="threePt" dir="t"/>
           </a:scene3d>
           <a:sp3d contourW="6350" prstMaterial="matte">
-            <a:bevelT w="1625600" h="203200"/>
+            <a:bevelT w="1625600" h="406400"/>
             <a:contourClr>
               <a:srgbClr val="969696"/>
             </a:contourClr>
